--- a/docs/slides/powerpoint.pptx
+++ b/docs/slides/powerpoint.pptx
@@ -10,7 +10,10 @@
     <p:sldId id="258" r:id="rId4"/>
     <p:sldId id="259" r:id="rId5"/>
     <p:sldId id="260" r:id="rId6"/>
-    <p:sldId id="261" r:id="rId7"/>
+    <p:sldId id="262" r:id="rId7"/>
+    <p:sldId id="264" r:id="rId8"/>
+    <p:sldId id="265" r:id="rId9"/>
+    <p:sldId id="261" r:id="rId10"/>
   </p:sldIdLst>
   <p:sldSz cx="12192000" cy="6858000"/>
   <p:notesSz cx="6858000" cy="9144000"/>
@@ -109,6 +112,11 @@
       </a:defRPr>
     </a:lvl9pPr>
   </p:defaultTextStyle>
+  <p:extLst>
+    <p:ext uri="{EFAFB233-063F-42B5-8137-9DF3F51BA10A}">
+      <p15:sldGuideLst xmlns:p15="http://schemas.microsoft.com/office/powerpoint/2012/main"/>
+    </p:ext>
+  </p:extLst>
 </p:presentation>
 </file>
 
@@ -259,7 +267,7 @@
           <a:p>
             <a:fld id="{756085EE-356C-4E22-BF13-3167143E4039}" type="datetimeFigureOut">
               <a:rPr lang="it-IT" smtClean="0"/>
-              <a:t>19/11/2023</a:t>
+              <a:t>28/11/2023</a:t>
             </a:fld>
             <a:endParaRPr lang="it-IT"/>
           </a:p>
@@ -457,7 +465,7 @@
           <a:p>
             <a:fld id="{756085EE-356C-4E22-BF13-3167143E4039}" type="datetimeFigureOut">
               <a:rPr lang="it-IT" smtClean="0"/>
-              <a:t>19/11/2023</a:t>
+              <a:t>28/11/2023</a:t>
             </a:fld>
             <a:endParaRPr lang="it-IT"/>
           </a:p>
@@ -665,7 +673,7 @@
           <a:p>
             <a:fld id="{756085EE-356C-4E22-BF13-3167143E4039}" type="datetimeFigureOut">
               <a:rPr lang="it-IT" smtClean="0"/>
-              <a:t>19/11/2023</a:t>
+              <a:t>28/11/2023</a:t>
             </a:fld>
             <a:endParaRPr lang="it-IT"/>
           </a:p>
@@ -863,7 +871,7 @@
           <a:p>
             <a:fld id="{756085EE-356C-4E22-BF13-3167143E4039}" type="datetimeFigureOut">
               <a:rPr lang="it-IT" smtClean="0"/>
-              <a:t>19/11/2023</a:t>
+              <a:t>28/11/2023</a:t>
             </a:fld>
             <a:endParaRPr lang="it-IT"/>
           </a:p>
@@ -1138,7 +1146,7 @@
           <a:p>
             <a:fld id="{756085EE-356C-4E22-BF13-3167143E4039}" type="datetimeFigureOut">
               <a:rPr lang="it-IT" smtClean="0"/>
-              <a:t>19/11/2023</a:t>
+              <a:t>28/11/2023</a:t>
             </a:fld>
             <a:endParaRPr lang="it-IT"/>
           </a:p>
@@ -1403,7 +1411,7 @@
           <a:p>
             <a:fld id="{756085EE-356C-4E22-BF13-3167143E4039}" type="datetimeFigureOut">
               <a:rPr lang="it-IT" smtClean="0"/>
-              <a:t>19/11/2023</a:t>
+              <a:t>28/11/2023</a:t>
             </a:fld>
             <a:endParaRPr lang="it-IT"/>
           </a:p>
@@ -1815,7 +1823,7 @@
           <a:p>
             <a:fld id="{756085EE-356C-4E22-BF13-3167143E4039}" type="datetimeFigureOut">
               <a:rPr lang="it-IT" smtClean="0"/>
-              <a:t>19/11/2023</a:t>
+              <a:t>28/11/2023</a:t>
             </a:fld>
             <a:endParaRPr lang="it-IT"/>
           </a:p>
@@ -1956,7 +1964,7 @@
           <a:p>
             <a:fld id="{756085EE-356C-4E22-BF13-3167143E4039}" type="datetimeFigureOut">
               <a:rPr lang="it-IT" smtClean="0"/>
-              <a:t>19/11/2023</a:t>
+              <a:t>28/11/2023</a:t>
             </a:fld>
             <a:endParaRPr lang="it-IT"/>
           </a:p>
@@ -2069,7 +2077,7 @@
           <a:p>
             <a:fld id="{756085EE-356C-4E22-BF13-3167143E4039}" type="datetimeFigureOut">
               <a:rPr lang="it-IT" smtClean="0"/>
-              <a:t>19/11/2023</a:t>
+              <a:t>28/11/2023</a:t>
             </a:fld>
             <a:endParaRPr lang="it-IT"/>
           </a:p>
@@ -2380,7 +2388,7 @@
           <a:p>
             <a:fld id="{756085EE-356C-4E22-BF13-3167143E4039}" type="datetimeFigureOut">
               <a:rPr lang="it-IT" smtClean="0"/>
-              <a:t>19/11/2023</a:t>
+              <a:t>28/11/2023</a:t>
             </a:fld>
             <a:endParaRPr lang="it-IT"/>
           </a:p>
@@ -2668,7 +2676,7 @@
           <a:p>
             <a:fld id="{756085EE-356C-4E22-BF13-3167143E4039}" type="datetimeFigureOut">
               <a:rPr lang="it-IT" smtClean="0"/>
-              <a:t>19/11/2023</a:t>
+              <a:t>28/11/2023</a:t>
             </a:fld>
             <a:endParaRPr lang="it-IT"/>
           </a:p>
@@ -2909,7 +2917,7 @@
           <a:p>
             <a:fld id="{756085EE-356C-4E22-BF13-3167143E4039}" type="datetimeFigureOut">
               <a:rPr lang="it-IT" smtClean="0"/>
-              <a:t>19/11/2023</a:t>
+              <a:t>28/11/2023</a:t>
             </a:fld>
             <a:endParaRPr lang="it-IT"/>
           </a:p>
@@ -3951,49 +3959,14 @@
         </p:blipFill>
         <p:spPr>
           <a:xfrm>
-            <a:off x="6800850" y="10"/>
-            <a:ext cx="5391150" cy="3428990"/>
+            <a:off x="6800850" y="2360644"/>
+            <a:ext cx="5391150" cy="4497356"/>
           </a:xfrm>
           <a:prstGeom prst="rect">
             <a:avLst/>
           </a:prstGeom>
         </p:spPr>
       </p:pic>
-      <p:pic>
-        <p:nvPicPr>
-          <p:cNvPr id="7" name="Immagine 6" descr="Immagine che contiene Carattere, Elementi grafici, logo, Blu elettrico&#10;&#10;Descrizione generata automaticamente">
-            <a:extLst>
-              <a:ext uri="{FF2B5EF4-FFF2-40B4-BE49-F238E27FC236}">
-                <a16:creationId xmlns:a16="http://schemas.microsoft.com/office/drawing/2014/main" id="{6720D070-6FD3-49FF-B58D-66430F717CE8}"/>
-              </a:ext>
-            </a:extLst>
-          </p:cNvPr>
-          <p:cNvPicPr>
-            <a:picLocks noChangeAspect="1"/>
-          </p:cNvPicPr>
-          <p:nvPr/>
-        </p:nvPicPr>
-        <p:blipFill rotWithShape="1">
-          <a:blip r:embed="rId3">
-            <a:extLst>
-              <a:ext uri="{28A0092B-C50C-407E-A947-70E740481C1C}">
-                <a14:useLocalDpi xmlns:a14="http://schemas.microsoft.com/office/drawing/2010/main" val="0"/>
-              </a:ext>
-            </a:extLst>
-          </a:blip>
-          <a:srcRect t="19727" r="1" b="16669"/>
-          <a:stretch/>
-        </p:blipFill>
-        <p:spPr>
-          <a:xfrm>
-            <a:off x="6800850" y="3429000"/>
-            <a:ext cx="5391150" cy="3429000"/>
-          </a:xfrm>
-          <a:prstGeom prst="rect">
-            <a:avLst/>
-          </a:prstGeom>
-        </p:spPr>
-      </p:pic>
       <p:sp>
         <p:nvSpPr>
           <p:cNvPr id="9" name="Rettangolo 8">
@@ -4009,7 +3982,7 @@
         <p:spPr>
           <a:xfrm>
             <a:off x="0" y="0"/>
-            <a:ext cx="6800850" cy="2360645"/>
+            <a:ext cx="12192000" cy="2360645"/>
           </a:xfrm>
           <a:prstGeom prst="rect">
             <a:avLst/>
@@ -4060,8 +4033,8 @@
         </p:nvSpPr>
         <p:spPr>
           <a:xfrm>
-            <a:off x="897727" y="438912"/>
-            <a:ext cx="4493424" cy="1569660"/>
+            <a:off x="3750906" y="641713"/>
+            <a:ext cx="5254279" cy="1077218"/>
           </a:xfrm>
           <a:prstGeom prst="rect">
             <a:avLst/>
@@ -5089,10 +5062,10 @@
       </p:grpSpPr>
       <p:sp useBgFill="1">
         <p:nvSpPr>
-          <p:cNvPr id="8" name="Rectangle 7">
-            <a:extLst>
-              <a:ext uri="{FF2B5EF4-FFF2-40B4-BE49-F238E27FC236}">
-                <a16:creationId xmlns:a16="http://schemas.microsoft.com/office/drawing/2014/main" id="{E449F6AE-9CCD-4344-A808-E058C70E9FB5}"/>
+          <p:cNvPr id="15" name="Rectangle 14">
+            <a:extLst>
+              <a:ext uri="{FF2B5EF4-FFF2-40B4-BE49-F238E27FC236}">
+                <a16:creationId xmlns:a16="http://schemas.microsoft.com/office/drawing/2014/main" id="{081EA652-8C6A-4E69-BEB9-170809474553}"/>
               </a:ext>
               <a:ext uri="{C183D7F6-B498-43B3-948B-1728B52AA6E4}">
                 <adec:decorative xmlns:adec="http://schemas.microsoft.com/office/drawing/2017/decorative" val="1"/>
@@ -5112,8 +5085,8 @@
         </p:nvSpPr>
         <p:spPr>
           <a:xfrm>
-            <a:off x="3048" y="0"/>
-            <a:ext cx="12188952" cy="6858000"/>
+            <a:off x="0" y="0"/>
+            <a:ext cx="12192000" cy="6858000"/>
           </a:xfrm>
           <a:prstGeom prst="rect">
             <a:avLst/>
@@ -5149,10 +5122,10 @@
       </p:sp>
       <p:sp>
         <p:nvSpPr>
-          <p:cNvPr id="10" name="Freeform: Shape 9">
-            <a:extLst>
-              <a:ext uri="{FF2B5EF4-FFF2-40B4-BE49-F238E27FC236}">
-                <a16:creationId xmlns:a16="http://schemas.microsoft.com/office/drawing/2014/main" id="{0D285EBD-BD23-45C3-A289-F87F04DBCF1C}"/>
+          <p:cNvPr id="17" name="Right Triangle 16">
+            <a:extLst>
+              <a:ext uri="{FF2B5EF4-FFF2-40B4-BE49-F238E27FC236}">
+                <a16:creationId xmlns:a16="http://schemas.microsoft.com/office/drawing/2014/main" id="{5298780A-33B9-4EA2-8F67-DE68AD62841B}"/>
               </a:ext>
               <a:ext uri="{C183D7F6-B498-43B3-948B-1728B52AA6E4}">
                 <adec:decorative xmlns:adec="http://schemas.microsoft.com/office/drawing/2017/decorative" val="1"/>
@@ -5172,203 +5145,14 @@
         </p:nvSpPr>
         <p:spPr>
           <a:xfrm flipH="1">
-            <a:off x="-1" y="0"/>
-            <a:ext cx="12192000" cy="6858002"/>
-          </a:xfrm>
-          <a:custGeom>
+            <a:off x="8576720" y="3335867"/>
+            <a:ext cx="3291840" cy="3200400"/>
+          </a:xfrm>
+          <a:prstGeom prst="rtTriangle">
             <a:avLst/>
-            <a:gdLst>
-              <a:gd name="connsiteX0" fmla="*/ 4461598 w 12192000"/>
-              <a:gd name="connsiteY0" fmla="*/ 0 h 6858002"/>
-              <a:gd name="connsiteX1" fmla="*/ 4525606 w 12192000"/>
-              <a:gd name="connsiteY1" fmla="*/ 0 h 6858002"/>
-              <a:gd name="connsiteX2" fmla="*/ 4525606 w 12192000"/>
-              <a:gd name="connsiteY2" fmla="*/ 539937 h 6858002"/>
-              <a:gd name="connsiteX3" fmla="*/ 12192000 w 12192000"/>
-              <a:gd name="connsiteY3" fmla="*/ 539937 h 6858002"/>
-              <a:gd name="connsiteX4" fmla="*/ 12192000 w 12192000"/>
-              <a:gd name="connsiteY4" fmla="*/ 603945 h 6858002"/>
-              <a:gd name="connsiteX5" fmla="*/ 4525606 w 12192000"/>
-              <a:gd name="connsiteY5" fmla="*/ 603945 h 6858002"/>
-              <a:gd name="connsiteX6" fmla="*/ 4525606 w 12192000"/>
-              <a:gd name="connsiteY6" fmla="*/ 6254055 h 6858002"/>
-              <a:gd name="connsiteX7" fmla="*/ 12192000 w 12192000"/>
-              <a:gd name="connsiteY7" fmla="*/ 6254055 h 6858002"/>
-              <a:gd name="connsiteX8" fmla="*/ 12192000 w 12192000"/>
-              <a:gd name="connsiteY8" fmla="*/ 6318063 h 6858002"/>
-              <a:gd name="connsiteX9" fmla="*/ 4525606 w 12192000"/>
-              <a:gd name="connsiteY9" fmla="*/ 6318063 h 6858002"/>
-              <a:gd name="connsiteX10" fmla="*/ 4525606 w 12192000"/>
-              <a:gd name="connsiteY10" fmla="*/ 6858002 h 6858002"/>
-              <a:gd name="connsiteX11" fmla="*/ 4461598 w 12192000"/>
-              <a:gd name="connsiteY11" fmla="*/ 6858002 h 6858002"/>
-              <a:gd name="connsiteX12" fmla="*/ 4461598 w 12192000"/>
-              <a:gd name="connsiteY12" fmla="*/ 6318063 h 6858002"/>
-              <a:gd name="connsiteX13" fmla="*/ 2 w 12192000"/>
-              <a:gd name="connsiteY13" fmla="*/ 6318063 h 6858002"/>
-              <a:gd name="connsiteX14" fmla="*/ 0 w 12192000"/>
-              <a:gd name="connsiteY14" fmla="*/ 6318063 h 6858002"/>
-              <a:gd name="connsiteX15" fmla="*/ 0 w 12192000"/>
-              <a:gd name="connsiteY15" fmla="*/ 6254055 h 6858002"/>
-              <a:gd name="connsiteX16" fmla="*/ 2 w 12192000"/>
-              <a:gd name="connsiteY16" fmla="*/ 6254055 h 6858002"/>
-              <a:gd name="connsiteX17" fmla="*/ 2 w 12192000"/>
-              <a:gd name="connsiteY17" fmla="*/ 603945 h 6858002"/>
-              <a:gd name="connsiteX18" fmla="*/ 1 w 12192000"/>
-              <a:gd name="connsiteY18" fmla="*/ 603945 h 6858002"/>
-              <a:gd name="connsiteX19" fmla="*/ 1 w 12192000"/>
-              <a:gd name="connsiteY19" fmla="*/ 539937 h 6858002"/>
-              <a:gd name="connsiteX20" fmla="*/ 2 w 12192000"/>
-              <a:gd name="connsiteY20" fmla="*/ 539937 h 6858002"/>
-              <a:gd name="connsiteX21" fmla="*/ 4461598 w 12192000"/>
-              <a:gd name="connsiteY21" fmla="*/ 539937 h 6858002"/>
-            </a:gdLst>
-            <a:ahLst/>
-            <a:cxnLst>
-              <a:cxn ang="0">
-                <a:pos x="connsiteX0" y="connsiteY0"/>
-              </a:cxn>
-              <a:cxn ang="0">
-                <a:pos x="connsiteX1" y="connsiteY1"/>
-              </a:cxn>
-              <a:cxn ang="0">
-                <a:pos x="connsiteX2" y="connsiteY2"/>
-              </a:cxn>
-              <a:cxn ang="0">
-                <a:pos x="connsiteX3" y="connsiteY3"/>
-              </a:cxn>
-              <a:cxn ang="0">
-                <a:pos x="connsiteX4" y="connsiteY4"/>
-              </a:cxn>
-              <a:cxn ang="0">
-                <a:pos x="connsiteX5" y="connsiteY5"/>
-              </a:cxn>
-              <a:cxn ang="0">
-                <a:pos x="connsiteX6" y="connsiteY6"/>
-              </a:cxn>
-              <a:cxn ang="0">
-                <a:pos x="connsiteX7" y="connsiteY7"/>
-              </a:cxn>
-              <a:cxn ang="0">
-                <a:pos x="connsiteX8" y="connsiteY8"/>
-              </a:cxn>
-              <a:cxn ang="0">
-                <a:pos x="connsiteX9" y="connsiteY9"/>
-              </a:cxn>
-              <a:cxn ang="0">
-                <a:pos x="connsiteX10" y="connsiteY10"/>
-              </a:cxn>
-              <a:cxn ang="0">
-                <a:pos x="connsiteX11" y="connsiteY11"/>
-              </a:cxn>
-              <a:cxn ang="0">
-                <a:pos x="connsiteX12" y="connsiteY12"/>
-              </a:cxn>
-              <a:cxn ang="0">
-                <a:pos x="connsiteX13" y="connsiteY13"/>
-              </a:cxn>
-              <a:cxn ang="0">
-                <a:pos x="connsiteX14" y="connsiteY14"/>
-              </a:cxn>
-              <a:cxn ang="0">
-                <a:pos x="connsiteX15" y="connsiteY15"/>
-              </a:cxn>
-              <a:cxn ang="0">
-                <a:pos x="connsiteX16" y="connsiteY16"/>
-              </a:cxn>
-              <a:cxn ang="0">
-                <a:pos x="connsiteX17" y="connsiteY17"/>
-              </a:cxn>
-              <a:cxn ang="0">
-                <a:pos x="connsiteX18" y="connsiteY18"/>
-              </a:cxn>
-              <a:cxn ang="0">
-                <a:pos x="connsiteX19" y="connsiteY19"/>
-              </a:cxn>
-              <a:cxn ang="0">
-                <a:pos x="connsiteX20" y="connsiteY20"/>
-              </a:cxn>
-              <a:cxn ang="0">
-                <a:pos x="connsiteX21" y="connsiteY21"/>
-              </a:cxn>
-            </a:cxnLst>
-            <a:rect l="l" t="t" r="r" b="b"/>
-            <a:pathLst>
-              <a:path w="12192000" h="6858002">
-                <a:moveTo>
-                  <a:pt x="4461598" y="0"/>
-                </a:moveTo>
-                <a:lnTo>
-                  <a:pt x="4525606" y="0"/>
-                </a:lnTo>
-                <a:lnTo>
-                  <a:pt x="4525606" y="539937"/>
-                </a:lnTo>
-                <a:lnTo>
-                  <a:pt x="12192000" y="539937"/>
-                </a:lnTo>
-                <a:lnTo>
-                  <a:pt x="12192000" y="603945"/>
-                </a:lnTo>
-                <a:lnTo>
-                  <a:pt x="4525606" y="603945"/>
-                </a:lnTo>
-                <a:lnTo>
-                  <a:pt x="4525606" y="6254055"/>
-                </a:lnTo>
-                <a:lnTo>
-                  <a:pt x="12192000" y="6254055"/>
-                </a:lnTo>
-                <a:lnTo>
-                  <a:pt x="12192000" y="6318063"/>
-                </a:lnTo>
-                <a:lnTo>
-                  <a:pt x="4525606" y="6318063"/>
-                </a:lnTo>
-                <a:lnTo>
-                  <a:pt x="4525606" y="6858002"/>
-                </a:lnTo>
-                <a:lnTo>
-                  <a:pt x="4461598" y="6858002"/>
-                </a:lnTo>
-                <a:lnTo>
-                  <a:pt x="4461598" y="6318063"/>
-                </a:lnTo>
-                <a:lnTo>
-                  <a:pt x="2" y="6318063"/>
-                </a:lnTo>
-                <a:lnTo>
-                  <a:pt x="0" y="6318063"/>
-                </a:lnTo>
-                <a:lnTo>
-                  <a:pt x="0" y="6254055"/>
-                </a:lnTo>
-                <a:lnTo>
-                  <a:pt x="2" y="6254055"/>
-                </a:lnTo>
-                <a:lnTo>
-                  <a:pt x="2" y="603945"/>
-                </a:lnTo>
-                <a:lnTo>
-                  <a:pt x="1" y="603945"/>
-                </a:lnTo>
-                <a:lnTo>
-                  <a:pt x="1" y="539937"/>
-                </a:lnTo>
-                <a:lnTo>
-                  <a:pt x="2" y="539937"/>
-                </a:lnTo>
-                <a:lnTo>
-                  <a:pt x="4461598" y="539937"/>
-                </a:lnTo>
-                <a:close/>
-              </a:path>
-            </a:pathLst>
-          </a:custGeom>
+          </a:prstGeom>
           <a:solidFill>
-            <a:schemeClr val="tx2">
-              <a:lumMod val="50000"/>
-            </a:schemeClr>
+            <a:schemeClr val="accent4"/>
           </a:solidFill>
           <a:ln>
             <a:noFill/>
@@ -5395,6 +5179,72 @@
           <a:lstStyle/>
           <a:p>
             <a:pPr algn="ctr"/>
+            <a:endParaRPr lang="en-US" dirty="0"/>
+          </a:p>
+        </p:txBody>
+      </p:sp>
+      <p:sp>
+        <p:nvSpPr>
+          <p:cNvPr id="19" name="Rectangle 18">
+            <a:extLst>
+              <a:ext uri="{FF2B5EF4-FFF2-40B4-BE49-F238E27FC236}">
+                <a16:creationId xmlns:a16="http://schemas.microsoft.com/office/drawing/2014/main" id="{7F488E8B-4E1E-4402-8935-D4E6C02615C7}"/>
+              </a:ext>
+              <a:ext uri="{C183D7F6-B498-43B3-948B-1728B52AA6E4}">
+                <adec:decorative xmlns:adec="http://schemas.microsoft.com/office/drawing/2017/decorative" val="1"/>
+              </a:ext>
+            </a:extLst>
+          </p:cNvPr>
+          <p:cNvSpPr>
+            <a:spLocks noGrp="1" noRot="1" noChangeAspect="1" noMove="1" noResize="1" noEditPoints="1" noAdjustHandles="1" noChangeArrowheads="1" noChangeShapeType="1" noTextEdit="1"/>
+          </p:cNvSpPr>
+          <p:nvPr>
+            <p:extLst>
+              <p:ext uri="{386F3935-93C4-4BCD-93E2-E3B085C9AB24}">
+                <p16:designElem xmlns:p16="http://schemas.microsoft.com/office/powerpoint/2015/main" val="1"/>
+              </p:ext>
+            </p:extLst>
+          </p:nvPr>
+        </p:nvSpPr>
+        <p:spPr>
+          <a:xfrm>
+            <a:off x="641774" y="623275"/>
+            <a:ext cx="10905053" cy="5607882"/>
+          </a:xfrm>
+          <a:prstGeom prst="rect">
+            <a:avLst/>
+          </a:prstGeom>
+          <a:noFill/>
+          <a:ln w="19050">
+            <a:solidFill>
+              <a:schemeClr val="tx1">
+                <a:lumMod val="75000"/>
+                <a:lumOff val="25000"/>
+              </a:schemeClr>
+            </a:solidFill>
+          </a:ln>
+        </p:spPr>
+        <p:style>
+          <a:lnRef idx="2">
+            <a:schemeClr val="accent1">
+              <a:shade val="50000"/>
+            </a:schemeClr>
+          </a:lnRef>
+          <a:fillRef idx="1">
+            <a:schemeClr val="accent1"/>
+          </a:fillRef>
+          <a:effectRef idx="0">
+            <a:schemeClr val="accent1"/>
+          </a:effectRef>
+          <a:fontRef idx="minor">
+            <a:schemeClr val="lt1"/>
+          </a:fontRef>
+        </p:style>
+        <p:txBody>
+          <a:bodyPr rtlCol="0" anchor="ctr"/>
+          <a:lstStyle/>
+          <a:p>
+            <a:pPr algn="ctr"/>
             <a:endParaRPr lang="en-US"/>
           </a:p>
         </p:txBody>
@@ -5417,48 +5267,8 @@
         </p:nvSpPr>
         <p:spPr>
           <a:xfrm>
-            <a:off x="8470472" y="1458180"/>
-            <a:ext cx="3100522" cy="3941640"/>
-          </a:xfrm>
-        </p:spPr>
-        <p:txBody>
-          <a:bodyPr>
-            <a:normAutofit/>
-          </a:bodyPr>
-          <a:lstStyle/>
-          <a:p>
-            <a:pPr algn="r"/>
-            <a:r>
-              <a:rPr lang="it-IT" sz="2800">
-                <a:solidFill>
-                  <a:schemeClr val="bg1"/>
-                </a:solidFill>
-              </a:rPr>
-              <a:t>un gioco differente</a:t>
-            </a:r>
-          </a:p>
-        </p:txBody>
-      </p:sp>
-      <p:sp>
-        <p:nvSpPr>
-          <p:cNvPr id="3" name="Segnaposto contenuto 2">
-            <a:extLst>
-              <a:ext uri="{FF2B5EF4-FFF2-40B4-BE49-F238E27FC236}">
-                <a16:creationId xmlns:a16="http://schemas.microsoft.com/office/drawing/2014/main" id="{401DB98D-7C6D-28C4-D972-66D66095A137}"/>
-              </a:ext>
-            </a:extLst>
-          </p:cNvPr>
-          <p:cNvSpPr>
-            <a:spLocks noGrp="1"/>
-          </p:cNvSpPr>
-          <p:nvPr>
-            <p:ph idx="1"/>
-          </p:nvPr>
-        </p:nvSpPr>
-        <p:spPr>
-          <a:xfrm>
-            <a:off x="827075" y="1458180"/>
-            <a:ext cx="5788908" cy="3941640"/>
+            <a:off x="1285240" y="1050595"/>
+            <a:ext cx="8074815" cy="1618489"/>
           </a:xfrm>
         </p:spPr>
         <p:txBody>
@@ -5467,11 +5277,46 @@
           </a:bodyPr>
           <a:lstStyle/>
           <a:p>
+            <a:r>
+              <a:rPr lang="it-IT" sz="7200"/>
+              <a:t>un gioco differente</a:t>
+            </a:r>
+          </a:p>
+        </p:txBody>
+      </p:sp>
+      <p:sp>
+        <p:nvSpPr>
+          <p:cNvPr id="3" name="Segnaposto contenuto 2">
+            <a:extLst>
+              <a:ext uri="{FF2B5EF4-FFF2-40B4-BE49-F238E27FC236}">
+                <a16:creationId xmlns:a16="http://schemas.microsoft.com/office/drawing/2014/main" id="{401DB98D-7C6D-28C4-D972-66D66095A137}"/>
+              </a:ext>
+            </a:extLst>
+          </p:cNvPr>
+          <p:cNvSpPr>
+            <a:spLocks noGrp="1"/>
+          </p:cNvSpPr>
+          <p:nvPr>
+            <p:ph idx="1"/>
+          </p:nvPr>
+        </p:nvSpPr>
+        <p:spPr>
+          <a:xfrm>
+            <a:off x="1285240" y="2969469"/>
+            <a:ext cx="8074815" cy="2800395"/>
+          </a:xfrm>
+        </p:spPr>
+        <p:txBody>
+          <a:bodyPr anchor="t">
+            <a:normAutofit/>
+          </a:bodyPr>
+          <a:lstStyle/>
+          <a:p>
             <a:pPr marL="0" indent="0">
               <a:buNone/>
             </a:pPr>
             <a:r>
-              <a:rPr lang="it-IT" sz="2000" dirty="0"/>
+              <a:rPr lang="it-IT" sz="2400"/>
               <a:t>Nella scelta del gioco abbiamo voluto fare qualcosa di diverso dai soliti giochi.</a:t>
             </a:r>
           </a:p>
@@ -5480,7 +5325,7 @@
               <a:buNone/>
             </a:pPr>
             <a:r>
-              <a:rPr lang="it-IT" sz="2000" dirty="0"/>
+              <a:rPr lang="it-IT" sz="2400"/>
               <a:t>Abbiamo voluto creare un gioco che permetteva lo scontro di due soldati, cercando di usare animazioni e una grafica piacevole per rendere il tutto più bello.</a:t>
             </a:r>
           </a:p>
@@ -5488,16 +5333,7 @@
             <a:pPr marL="0" indent="0">
               <a:buNone/>
             </a:pPr>
-            <a:r>
-              <a:rPr lang="it-IT" sz="2000" dirty="0"/>
-              <a:t>Purtroppo però forse le ambizioni erano troppo alte non facendocelo concludere come desideravamo.</a:t>
-            </a:r>
-          </a:p>
-          <a:p>
-            <a:pPr marL="0" indent="0">
-              <a:buNone/>
-            </a:pPr>
-            <a:endParaRPr lang="it-IT" sz="2000" dirty="0"/>
+            <a:endParaRPr lang="it-IT" sz="2400"/>
           </a:p>
         </p:txBody>
       </p:sp>
@@ -5515,6 +5351,1314 @@
 </file>
 
 <file path=ppt/slides/slide6.xml><?xml version="1.0" encoding="utf-8"?>
+<p:sld xmlns:a="http://schemas.openxmlformats.org/drawingml/2006/main" xmlns:r="http://schemas.openxmlformats.org/officeDocument/2006/relationships" xmlns:p="http://schemas.openxmlformats.org/presentationml/2006/main">
+  <p:cSld>
+    <p:bg>
+      <p:bgPr>
+        <a:solidFill>
+          <a:schemeClr val="bg1"/>
+        </a:solidFill>
+        <a:effectLst/>
+      </p:bgPr>
+    </p:bg>
+    <p:spTree>
+      <p:nvGrpSpPr>
+        <p:cNvPr id="1" name=""/>
+        <p:cNvGrpSpPr/>
+        <p:nvPr/>
+      </p:nvGrpSpPr>
+      <p:grpSpPr>
+        <a:xfrm>
+          <a:off x="0" y="0"/>
+          <a:ext cx="0" cy="0"/>
+          <a:chOff x="0" y="0"/>
+          <a:chExt cx="0" cy="0"/>
+        </a:xfrm>
+      </p:grpSpPr>
+      <p:sp useBgFill="1">
+        <p:nvSpPr>
+          <p:cNvPr id="15" name="Rectangle 14">
+            <a:extLst>
+              <a:ext uri="{FF2B5EF4-FFF2-40B4-BE49-F238E27FC236}">
+                <a16:creationId xmlns:a16="http://schemas.microsoft.com/office/drawing/2014/main" id="{316DC8E4-A711-4240-81E9-F8184974137E}"/>
+              </a:ext>
+              <a:ext uri="{C183D7F6-B498-43B3-948B-1728B52AA6E4}">
+                <adec:decorative xmlns:adec="http://schemas.microsoft.com/office/drawing/2017/decorative" val="1"/>
+              </a:ext>
+            </a:extLst>
+          </p:cNvPr>
+          <p:cNvSpPr>
+            <a:spLocks noGrp="1" noRot="1" noChangeAspect="1" noMove="1" noResize="1" noEditPoints="1" noAdjustHandles="1" noChangeArrowheads="1" noChangeShapeType="1" noTextEdit="1"/>
+          </p:cNvSpPr>
+          <p:nvPr>
+            <p:extLst>
+              <p:ext uri="{386F3935-93C4-4BCD-93E2-E3B085C9AB24}">
+                <p16:designElem xmlns:p16="http://schemas.microsoft.com/office/powerpoint/2015/main" val="1"/>
+              </p:ext>
+            </p:extLst>
+          </p:nvPr>
+        </p:nvSpPr>
+        <p:spPr bwMode="white">
+          <a:xfrm>
+            <a:off x="0" y="0"/>
+            <a:ext cx="12192000" cy="6858000"/>
+          </a:xfrm>
+          <a:prstGeom prst="rect">
+            <a:avLst/>
+          </a:prstGeom>
+          <a:ln>
+            <a:noFill/>
+          </a:ln>
+        </p:spPr>
+        <p:style>
+          <a:lnRef idx="2">
+            <a:schemeClr val="accent1">
+              <a:shade val="50000"/>
+            </a:schemeClr>
+          </a:lnRef>
+          <a:fillRef idx="1">
+            <a:schemeClr val="accent1"/>
+          </a:fillRef>
+          <a:effectRef idx="0">
+            <a:schemeClr val="accent1"/>
+          </a:effectRef>
+          <a:fontRef idx="minor">
+            <a:schemeClr val="lt1"/>
+          </a:fontRef>
+        </p:style>
+        <p:txBody>
+          <a:bodyPr rtlCol="0" anchor="ctr"/>
+          <a:lstStyle>
+            <a:defPPr>
+              <a:defRPr lang="en-US"/>
+            </a:defPPr>
+            <a:lvl1pPr marL="0" algn="l" defTabSz="914400" rtl="0" eaLnBrk="1" latinLnBrk="0" hangingPunct="1">
+              <a:defRPr sz="1800" kern="1200">
+                <a:solidFill>
+                  <a:schemeClr val="lt1"/>
+                </a:solidFill>
+                <a:latin typeface="+mn-lt"/>
+                <a:ea typeface="+mn-ea"/>
+                <a:cs typeface="+mn-cs"/>
+              </a:defRPr>
+            </a:lvl1pPr>
+            <a:lvl2pPr marL="457200" algn="l" defTabSz="914400" rtl="0" eaLnBrk="1" latinLnBrk="0" hangingPunct="1">
+              <a:defRPr sz="1800" kern="1200">
+                <a:solidFill>
+                  <a:schemeClr val="lt1"/>
+                </a:solidFill>
+                <a:latin typeface="+mn-lt"/>
+                <a:ea typeface="+mn-ea"/>
+                <a:cs typeface="+mn-cs"/>
+              </a:defRPr>
+            </a:lvl2pPr>
+            <a:lvl3pPr marL="914400" algn="l" defTabSz="914400" rtl="0" eaLnBrk="1" latinLnBrk="0" hangingPunct="1">
+              <a:defRPr sz="1800" kern="1200">
+                <a:solidFill>
+                  <a:schemeClr val="lt1"/>
+                </a:solidFill>
+                <a:latin typeface="+mn-lt"/>
+                <a:ea typeface="+mn-ea"/>
+                <a:cs typeface="+mn-cs"/>
+              </a:defRPr>
+            </a:lvl3pPr>
+            <a:lvl4pPr marL="1371600" algn="l" defTabSz="914400" rtl="0" eaLnBrk="1" latinLnBrk="0" hangingPunct="1">
+              <a:defRPr sz="1800" kern="1200">
+                <a:solidFill>
+                  <a:schemeClr val="lt1"/>
+                </a:solidFill>
+                <a:latin typeface="+mn-lt"/>
+                <a:ea typeface="+mn-ea"/>
+                <a:cs typeface="+mn-cs"/>
+              </a:defRPr>
+            </a:lvl4pPr>
+            <a:lvl5pPr marL="1828800" algn="l" defTabSz="914400" rtl="0" eaLnBrk="1" latinLnBrk="0" hangingPunct="1">
+              <a:defRPr sz="1800" kern="1200">
+                <a:solidFill>
+                  <a:schemeClr val="lt1"/>
+                </a:solidFill>
+                <a:latin typeface="+mn-lt"/>
+                <a:ea typeface="+mn-ea"/>
+                <a:cs typeface="+mn-cs"/>
+              </a:defRPr>
+            </a:lvl5pPr>
+            <a:lvl6pPr marL="2286000" algn="l" defTabSz="914400" rtl="0" eaLnBrk="1" latinLnBrk="0" hangingPunct="1">
+              <a:defRPr sz="1800" kern="1200">
+                <a:solidFill>
+                  <a:schemeClr val="lt1"/>
+                </a:solidFill>
+                <a:latin typeface="+mn-lt"/>
+                <a:ea typeface="+mn-ea"/>
+                <a:cs typeface="+mn-cs"/>
+              </a:defRPr>
+            </a:lvl6pPr>
+            <a:lvl7pPr marL="2743200" algn="l" defTabSz="914400" rtl="0" eaLnBrk="1" latinLnBrk="0" hangingPunct="1">
+              <a:defRPr sz="1800" kern="1200">
+                <a:solidFill>
+                  <a:schemeClr val="lt1"/>
+                </a:solidFill>
+                <a:latin typeface="+mn-lt"/>
+                <a:ea typeface="+mn-ea"/>
+                <a:cs typeface="+mn-cs"/>
+              </a:defRPr>
+            </a:lvl7pPr>
+            <a:lvl8pPr marL="3200400" algn="l" defTabSz="914400" rtl="0" eaLnBrk="1" latinLnBrk="0" hangingPunct="1">
+              <a:defRPr sz="1800" kern="1200">
+                <a:solidFill>
+                  <a:schemeClr val="lt1"/>
+                </a:solidFill>
+                <a:latin typeface="+mn-lt"/>
+                <a:ea typeface="+mn-ea"/>
+                <a:cs typeface="+mn-cs"/>
+              </a:defRPr>
+            </a:lvl8pPr>
+            <a:lvl9pPr marL="3657600" algn="l" defTabSz="914400" rtl="0" eaLnBrk="1" latinLnBrk="0" hangingPunct="1">
+              <a:defRPr sz="1800" kern="1200">
+                <a:solidFill>
+                  <a:schemeClr val="lt1"/>
+                </a:solidFill>
+                <a:latin typeface="+mn-lt"/>
+                <a:ea typeface="+mn-ea"/>
+                <a:cs typeface="+mn-cs"/>
+              </a:defRPr>
+            </a:lvl9pPr>
+          </a:lstStyle>
+          <a:p>
+            <a:pPr algn="ctr"/>
+            <a:endParaRPr lang="en-US"/>
+          </a:p>
+        </p:txBody>
+      </p:sp>
+      <p:sp>
+        <p:nvSpPr>
+          <p:cNvPr id="2" name="Titolo 1">
+            <a:extLst>
+              <a:ext uri="{FF2B5EF4-FFF2-40B4-BE49-F238E27FC236}">
+                <a16:creationId xmlns:a16="http://schemas.microsoft.com/office/drawing/2014/main" id="{737893A8-21E3-9C83-5575-713AF012DEF1}"/>
+              </a:ext>
+            </a:extLst>
+          </p:cNvPr>
+          <p:cNvSpPr>
+            <a:spLocks noGrp="1"/>
+          </p:cNvSpPr>
+          <p:nvPr>
+            <p:ph type="ctrTitle"/>
+          </p:nvPr>
+        </p:nvSpPr>
+        <p:spPr>
+          <a:xfrm>
+            <a:off x="793935" y="854168"/>
+            <a:ext cx="3527117" cy="2665681"/>
+          </a:xfrm>
+        </p:spPr>
+        <p:txBody>
+          <a:bodyPr vert="horz" lIns="91440" tIns="45720" rIns="91440" bIns="45720" rtlCol="0">
+            <a:normAutofit/>
+          </a:bodyPr>
+          <a:lstStyle/>
+          <a:p>
+            <a:r>
+              <a:rPr lang="en-US" sz="3200" kern="1200">
+                <a:latin typeface="+mj-lt"/>
+                <a:ea typeface="+mj-ea"/>
+                <a:cs typeface="+mj-cs"/>
+              </a:rPr>
+              <a:t>Sequence Diagram</a:t>
+            </a:r>
+          </a:p>
+        </p:txBody>
+      </p:sp>
+      <p:sp>
+        <p:nvSpPr>
+          <p:cNvPr id="17" name="Rectangle 16">
+            <a:extLst>
+              <a:ext uri="{FF2B5EF4-FFF2-40B4-BE49-F238E27FC236}">
+                <a16:creationId xmlns:a16="http://schemas.microsoft.com/office/drawing/2014/main" id="{96CC8FF8-121A-4621-8FF3-BC48A37BFB89}"/>
+              </a:ext>
+              <a:ext uri="{C183D7F6-B498-43B3-948B-1728B52AA6E4}">
+                <adec:decorative xmlns:adec="http://schemas.microsoft.com/office/drawing/2017/decorative" val="1"/>
+              </a:ext>
+            </a:extLst>
+          </p:cNvPr>
+          <p:cNvSpPr>
+            <a:spLocks noGrp="1" noRot="1" noChangeAspect="1" noMove="1" noResize="1" noEditPoints="1" noAdjustHandles="1" noChangeArrowheads="1" noChangeShapeType="1" noTextEdit="1"/>
+          </p:cNvSpPr>
+          <p:nvPr>
+            <p:extLst>
+              <p:ext uri="{386F3935-93C4-4BCD-93E2-E3B085C9AB24}">
+                <p16:designElem xmlns:p16="http://schemas.microsoft.com/office/powerpoint/2015/main" val="1"/>
+              </p:ext>
+            </p:extLst>
+          </p:nvPr>
+        </p:nvSpPr>
+        <p:spPr>
+          <a:xfrm>
+            <a:off x="5072659" y="899358"/>
+            <a:ext cx="7119341" cy="5138381"/>
+          </a:xfrm>
+          <a:prstGeom prst="rect">
+            <a:avLst/>
+          </a:prstGeom>
+          <a:solidFill>
+            <a:schemeClr val="tx2">
+              <a:lumMod val="50000"/>
+            </a:schemeClr>
+          </a:solidFill>
+          <a:ln>
+            <a:noFill/>
+          </a:ln>
+        </p:spPr>
+        <p:style>
+          <a:lnRef idx="2">
+            <a:schemeClr val="accent1">
+              <a:shade val="50000"/>
+            </a:schemeClr>
+          </a:lnRef>
+          <a:fillRef idx="1">
+            <a:schemeClr val="accent1"/>
+          </a:fillRef>
+          <a:effectRef idx="0">
+            <a:schemeClr val="accent1"/>
+          </a:effectRef>
+          <a:fontRef idx="minor">
+            <a:schemeClr val="lt1"/>
+          </a:fontRef>
+        </p:style>
+        <p:txBody>
+          <a:bodyPr rtlCol="0" anchor="ctr"/>
+          <a:lstStyle/>
+          <a:p>
+            <a:pPr algn="ctr"/>
+            <a:endParaRPr lang="en-US"/>
+          </a:p>
+        </p:txBody>
+      </p:sp>
+      <p:sp>
+        <p:nvSpPr>
+          <p:cNvPr id="19" name="Rectangle 18">
+            <a:extLst>
+              <a:ext uri="{FF2B5EF4-FFF2-40B4-BE49-F238E27FC236}">
+                <a16:creationId xmlns:a16="http://schemas.microsoft.com/office/drawing/2014/main" id="{3276E0C7-D588-440B-8F4A-876392DB718F}"/>
+              </a:ext>
+              <a:ext uri="{C183D7F6-B498-43B3-948B-1728B52AA6E4}">
+                <adec:decorative xmlns:adec="http://schemas.microsoft.com/office/drawing/2017/decorative" val="1"/>
+              </a:ext>
+            </a:extLst>
+          </p:cNvPr>
+          <p:cNvSpPr>
+            <a:spLocks noGrp="1" noRot="1" noChangeAspect="1" noMove="1" noResize="1" noEditPoints="1" noAdjustHandles="1" noChangeArrowheads="1" noChangeShapeType="1" noTextEdit="1"/>
+          </p:cNvSpPr>
+          <p:nvPr>
+            <p:extLst>
+              <p:ext uri="{386F3935-93C4-4BCD-93E2-E3B085C9AB24}">
+                <p16:designElem xmlns:p16="http://schemas.microsoft.com/office/powerpoint/2015/main" val="1"/>
+              </p:ext>
+            </p:extLst>
+          </p:nvPr>
+        </p:nvSpPr>
+        <p:spPr>
+          <a:xfrm rot="5400000">
+            <a:off x="1643658" y="3396997"/>
+            <a:ext cx="6858002" cy="64008"/>
+          </a:xfrm>
+          <a:prstGeom prst="rect">
+            <a:avLst/>
+          </a:prstGeom>
+          <a:solidFill>
+            <a:schemeClr val="tx2">
+              <a:lumMod val="50000"/>
+            </a:schemeClr>
+          </a:solidFill>
+          <a:ln>
+            <a:noFill/>
+          </a:ln>
+        </p:spPr>
+        <p:style>
+          <a:lnRef idx="2">
+            <a:schemeClr val="accent1">
+              <a:shade val="50000"/>
+            </a:schemeClr>
+          </a:lnRef>
+          <a:fillRef idx="1">
+            <a:schemeClr val="accent1"/>
+          </a:fillRef>
+          <a:effectRef idx="0">
+            <a:schemeClr val="accent1"/>
+          </a:effectRef>
+          <a:fontRef idx="minor">
+            <a:schemeClr val="lt1"/>
+          </a:fontRef>
+        </p:style>
+        <p:txBody>
+          <a:bodyPr rtlCol="0" anchor="ctr"/>
+          <a:lstStyle/>
+          <a:p>
+            <a:pPr algn="ctr"/>
+            <a:endParaRPr lang="en-US"/>
+          </a:p>
+        </p:txBody>
+      </p:sp>
+      <p:pic>
+        <p:nvPicPr>
+          <p:cNvPr id="5" name="Immagine 4" descr="Immagine che contiene testo, schermata, diagramma, Parallelo&#10;&#10;Descrizione generata automaticamente">
+            <a:extLst>
+              <a:ext uri="{FF2B5EF4-FFF2-40B4-BE49-F238E27FC236}">
+                <a16:creationId xmlns:a16="http://schemas.microsoft.com/office/drawing/2014/main" id="{AC158501-1316-AF6D-453A-D6E40FD48686}"/>
+              </a:ext>
+            </a:extLst>
+          </p:cNvPr>
+          <p:cNvPicPr>
+            <a:picLocks noChangeAspect="1"/>
+          </p:cNvPicPr>
+          <p:nvPr/>
+        </p:nvPicPr>
+        <p:blipFill>
+          <a:blip r:embed="rId2">
+            <a:extLst>
+              <a:ext uri="{28A0092B-C50C-407E-A947-70E740481C1C}">
+                <a14:useLocalDpi xmlns:a14="http://schemas.microsoft.com/office/drawing/2010/main" val="0"/>
+              </a:ext>
+            </a:extLst>
+          </a:blip>
+          <a:stretch>
+            <a:fillRect/>
+          </a:stretch>
+        </p:blipFill>
+        <p:spPr>
+          <a:xfrm>
+            <a:off x="6568166" y="1346016"/>
+            <a:ext cx="4128325" cy="4245065"/>
+          </a:xfrm>
+          <a:prstGeom prst="rect">
+            <a:avLst/>
+          </a:prstGeom>
+        </p:spPr>
+      </p:pic>
+    </p:spTree>
+    <p:extLst>
+      <p:ext uri="{BB962C8B-B14F-4D97-AF65-F5344CB8AC3E}">
+        <p14:creationId xmlns:p14="http://schemas.microsoft.com/office/powerpoint/2010/main" val="3998061015"/>
+      </p:ext>
+    </p:extLst>
+  </p:cSld>
+  <p:clrMapOvr>
+    <a:masterClrMapping/>
+  </p:clrMapOvr>
+</p:sld>
+</file>
+
+<file path=ppt/slides/slide7.xml><?xml version="1.0" encoding="utf-8"?>
+<p:sld xmlns:a="http://schemas.openxmlformats.org/drawingml/2006/main" xmlns:r="http://schemas.openxmlformats.org/officeDocument/2006/relationships" xmlns:p="http://schemas.openxmlformats.org/presentationml/2006/main">
+  <p:cSld>
+    <p:bg>
+      <p:bgPr>
+        <a:solidFill>
+          <a:schemeClr val="bg1"/>
+        </a:solidFill>
+        <a:effectLst/>
+      </p:bgPr>
+    </p:bg>
+    <p:spTree>
+      <p:nvGrpSpPr>
+        <p:cNvPr id="1" name=""/>
+        <p:cNvGrpSpPr/>
+        <p:nvPr/>
+      </p:nvGrpSpPr>
+      <p:grpSpPr>
+        <a:xfrm>
+          <a:off x="0" y="0"/>
+          <a:ext cx="0" cy="0"/>
+          <a:chOff x="0" y="0"/>
+          <a:chExt cx="0" cy="0"/>
+        </a:xfrm>
+      </p:grpSpPr>
+      <p:sp useBgFill="1">
+        <p:nvSpPr>
+          <p:cNvPr id="10" name="Rectangle 9">
+            <a:extLst>
+              <a:ext uri="{FF2B5EF4-FFF2-40B4-BE49-F238E27FC236}">
+                <a16:creationId xmlns:a16="http://schemas.microsoft.com/office/drawing/2014/main" id="{2F23EC95-43E6-4302-BF47-B31CDA38D33F}"/>
+              </a:ext>
+              <a:ext uri="{C183D7F6-B498-43B3-948B-1728B52AA6E4}">
+                <adec:decorative xmlns:adec="http://schemas.microsoft.com/office/drawing/2017/decorative" val="1"/>
+              </a:ext>
+            </a:extLst>
+          </p:cNvPr>
+          <p:cNvSpPr>
+            <a:spLocks noGrp="1" noRot="1" noChangeAspect="1" noMove="1" noResize="1" noEditPoints="1" noAdjustHandles="1" noChangeArrowheads="1" noChangeShapeType="1" noTextEdit="1"/>
+          </p:cNvSpPr>
+          <p:nvPr>
+            <p:extLst>
+              <p:ext uri="{386F3935-93C4-4BCD-93E2-E3B085C9AB24}">
+                <p16:designElem xmlns:p16="http://schemas.microsoft.com/office/powerpoint/2015/main" val="1"/>
+              </p:ext>
+            </p:extLst>
+          </p:nvPr>
+        </p:nvSpPr>
+        <p:spPr>
+          <a:xfrm>
+            <a:off x="0" y="0"/>
+            <a:ext cx="12188952" cy="6858000"/>
+          </a:xfrm>
+          <a:prstGeom prst="rect">
+            <a:avLst/>
+          </a:prstGeom>
+          <a:ln>
+            <a:noFill/>
+          </a:ln>
+        </p:spPr>
+        <p:style>
+          <a:lnRef idx="2">
+            <a:schemeClr val="accent1">
+              <a:shade val="50000"/>
+            </a:schemeClr>
+          </a:lnRef>
+          <a:fillRef idx="1">
+            <a:schemeClr val="accent1"/>
+          </a:fillRef>
+          <a:effectRef idx="0">
+            <a:schemeClr val="accent1"/>
+          </a:effectRef>
+          <a:fontRef idx="minor">
+            <a:schemeClr val="lt1"/>
+          </a:fontRef>
+        </p:style>
+        <p:txBody>
+          <a:bodyPr rtlCol="0" anchor="ctr"/>
+          <a:lstStyle/>
+          <a:p>
+            <a:pPr algn="ctr"/>
+            <a:endParaRPr lang="en-US"/>
+          </a:p>
+        </p:txBody>
+      </p:sp>
+      <p:sp>
+        <p:nvSpPr>
+          <p:cNvPr id="12" name="Rectangle 11">
+            <a:extLst>
+              <a:ext uri="{FF2B5EF4-FFF2-40B4-BE49-F238E27FC236}">
+                <a16:creationId xmlns:a16="http://schemas.microsoft.com/office/drawing/2014/main" id="{259279FE-5810-440F-B799-25803A014151}"/>
+              </a:ext>
+              <a:ext uri="{C183D7F6-B498-43B3-948B-1728B52AA6E4}">
+                <adec:decorative xmlns:adec="http://schemas.microsoft.com/office/drawing/2017/decorative" val="1"/>
+              </a:ext>
+            </a:extLst>
+          </p:cNvPr>
+          <p:cNvSpPr>
+            <a:spLocks noGrp="1" noRot="1" noChangeAspect="1" noMove="1" noResize="1" noEditPoints="1" noAdjustHandles="1" noChangeArrowheads="1" noChangeShapeType="1" noTextEdit="1"/>
+          </p:cNvSpPr>
+          <p:nvPr>
+            <p:extLst>
+              <p:ext uri="{386F3935-93C4-4BCD-93E2-E3B085C9AB24}">
+                <p16:designElem xmlns:p16="http://schemas.microsoft.com/office/powerpoint/2015/main" val="1"/>
+              </p:ext>
+            </p:extLst>
+          </p:nvPr>
+        </p:nvSpPr>
+        <p:spPr>
+          <a:xfrm>
+            <a:off x="658395" y="774750"/>
+            <a:ext cx="3565361" cy="6083250"/>
+          </a:xfrm>
+          <a:prstGeom prst="rect">
+            <a:avLst/>
+          </a:prstGeom>
+          <a:solidFill>
+            <a:schemeClr val="tx2">
+              <a:lumMod val="50000"/>
+            </a:schemeClr>
+          </a:solidFill>
+          <a:ln>
+            <a:noFill/>
+          </a:ln>
+        </p:spPr>
+        <p:style>
+          <a:lnRef idx="2">
+            <a:schemeClr val="accent1">
+              <a:shade val="50000"/>
+            </a:schemeClr>
+          </a:lnRef>
+          <a:fillRef idx="1">
+            <a:schemeClr val="accent1"/>
+          </a:fillRef>
+          <a:effectRef idx="0">
+            <a:schemeClr val="accent1"/>
+          </a:effectRef>
+          <a:fontRef idx="minor">
+            <a:schemeClr val="lt1"/>
+          </a:fontRef>
+        </p:style>
+        <p:txBody>
+          <a:bodyPr rtlCol="0" anchor="ctr"/>
+          <a:lstStyle/>
+          <a:p>
+            <a:pPr algn="ctr"/>
+            <a:endParaRPr lang="en-US"/>
+          </a:p>
+        </p:txBody>
+      </p:sp>
+      <p:sp>
+        <p:nvSpPr>
+          <p:cNvPr id="2" name="Titolo 1">
+            <a:extLst>
+              <a:ext uri="{FF2B5EF4-FFF2-40B4-BE49-F238E27FC236}">
+                <a16:creationId xmlns:a16="http://schemas.microsoft.com/office/drawing/2014/main" id="{737893A8-21E3-9C83-5575-713AF012DEF1}"/>
+              </a:ext>
+            </a:extLst>
+          </p:cNvPr>
+          <p:cNvSpPr>
+            <a:spLocks noGrp="1"/>
+          </p:cNvSpPr>
+          <p:nvPr>
+            <p:ph type="ctrTitle"/>
+          </p:nvPr>
+        </p:nvSpPr>
+        <p:spPr>
+          <a:xfrm>
+            <a:off x="1021120" y="1017951"/>
+            <a:ext cx="2839910" cy="984326"/>
+          </a:xfrm>
+        </p:spPr>
+        <p:txBody>
+          <a:bodyPr vert="horz" lIns="91440" tIns="45720" rIns="91440" bIns="45720" rtlCol="0" anchor="ctr">
+            <a:normAutofit/>
+          </a:bodyPr>
+          <a:lstStyle/>
+          <a:p>
+            <a:r>
+              <a:rPr lang="en-US" sz="3200" kern="1200" dirty="0">
+                <a:solidFill>
+                  <a:schemeClr val="bg1"/>
+                </a:solidFill>
+                <a:latin typeface="+mj-lt"/>
+                <a:ea typeface="+mj-ea"/>
+                <a:cs typeface="+mj-cs"/>
+              </a:rPr>
+              <a:t>Class Diagram</a:t>
+            </a:r>
+          </a:p>
+        </p:txBody>
+      </p:sp>
+      <p:sp>
+        <p:nvSpPr>
+          <p:cNvPr id="14" name="Rectangle 13">
+            <a:extLst>
+              <a:ext uri="{FF2B5EF4-FFF2-40B4-BE49-F238E27FC236}">
+                <a16:creationId xmlns:a16="http://schemas.microsoft.com/office/drawing/2014/main" id="{95ABD4F1-A860-48A4-84CD-EB40E1FC7827}"/>
+              </a:ext>
+              <a:ext uri="{C183D7F6-B498-43B3-948B-1728B52AA6E4}">
+                <adec:decorative xmlns:adec="http://schemas.microsoft.com/office/drawing/2017/decorative" val="1"/>
+              </a:ext>
+            </a:extLst>
+          </p:cNvPr>
+          <p:cNvSpPr>
+            <a:spLocks noGrp="1" noRot="1" noChangeAspect="1" noMove="1" noResize="1" noEditPoints="1" noAdjustHandles="1" noChangeArrowheads="1" noChangeShapeType="1" noTextEdit="1"/>
+          </p:cNvSpPr>
+          <p:nvPr>
+            <p:extLst>
+              <p:ext uri="{386F3935-93C4-4BCD-93E2-E3B085C9AB24}">
+                <p16:designElem xmlns:p16="http://schemas.microsoft.com/office/powerpoint/2015/main" val="1"/>
+              </p:ext>
+            </p:extLst>
+          </p:nvPr>
+        </p:nvSpPr>
+        <p:spPr>
+          <a:xfrm rot="5400000">
+            <a:off x="-2770606" y="3396997"/>
+            <a:ext cx="6858002" cy="64008"/>
+          </a:xfrm>
+          <a:prstGeom prst="rect">
+            <a:avLst/>
+          </a:prstGeom>
+          <a:solidFill>
+            <a:schemeClr val="tx2">
+              <a:lumMod val="50000"/>
+            </a:schemeClr>
+          </a:solidFill>
+          <a:ln>
+            <a:noFill/>
+          </a:ln>
+        </p:spPr>
+        <p:style>
+          <a:lnRef idx="2">
+            <a:schemeClr val="accent1">
+              <a:shade val="50000"/>
+            </a:schemeClr>
+          </a:lnRef>
+          <a:fillRef idx="1">
+            <a:schemeClr val="accent1"/>
+          </a:fillRef>
+          <a:effectRef idx="0">
+            <a:schemeClr val="accent1"/>
+          </a:effectRef>
+          <a:fontRef idx="minor">
+            <a:schemeClr val="lt1"/>
+          </a:fontRef>
+        </p:style>
+        <p:txBody>
+          <a:bodyPr rtlCol="0" anchor="ctr"/>
+          <a:lstStyle/>
+          <a:p>
+            <a:pPr algn="ctr"/>
+            <a:endParaRPr lang="en-US"/>
+          </a:p>
+        </p:txBody>
+      </p:sp>
+      <p:sp>
+        <p:nvSpPr>
+          <p:cNvPr id="16" name="Rectangle 15">
+            <a:extLst>
+              <a:ext uri="{FF2B5EF4-FFF2-40B4-BE49-F238E27FC236}">
+                <a16:creationId xmlns:a16="http://schemas.microsoft.com/office/drawing/2014/main" id="{91D8C0F2-1D8A-4908-857F-3DE6B0823831}"/>
+              </a:ext>
+              <a:ext uri="{C183D7F6-B498-43B3-948B-1728B52AA6E4}">
+                <adec:decorative xmlns:adec="http://schemas.microsoft.com/office/drawing/2017/decorative" val="1"/>
+              </a:ext>
+            </a:extLst>
+          </p:cNvPr>
+          <p:cNvSpPr>
+            <a:spLocks noGrp="1" noRot="1" noChangeAspect="1" noMove="1" noResize="1" noEditPoints="1" noAdjustHandles="1" noChangeArrowheads="1" noChangeShapeType="1" noTextEdit="1"/>
+          </p:cNvSpPr>
+          <p:nvPr>
+            <p:extLst>
+              <p:ext uri="{386F3935-93C4-4BCD-93E2-E3B085C9AB24}">
+                <p16:designElem xmlns:p16="http://schemas.microsoft.com/office/powerpoint/2015/main" val="1"/>
+              </p:ext>
+            </p:extLst>
+          </p:nvPr>
+        </p:nvSpPr>
+        <p:spPr>
+          <a:xfrm>
+            <a:off x="0" y="723053"/>
+            <a:ext cx="12192000" cy="64008"/>
+          </a:xfrm>
+          <a:prstGeom prst="rect">
+            <a:avLst/>
+          </a:prstGeom>
+          <a:solidFill>
+            <a:schemeClr val="tx2">
+              <a:lumMod val="50000"/>
+            </a:schemeClr>
+          </a:solidFill>
+          <a:ln>
+            <a:noFill/>
+          </a:ln>
+        </p:spPr>
+        <p:style>
+          <a:lnRef idx="2">
+            <a:schemeClr val="accent1">
+              <a:shade val="50000"/>
+            </a:schemeClr>
+          </a:lnRef>
+          <a:fillRef idx="1">
+            <a:schemeClr val="accent1"/>
+          </a:fillRef>
+          <a:effectRef idx="0">
+            <a:schemeClr val="accent1"/>
+          </a:effectRef>
+          <a:fontRef idx="minor">
+            <a:schemeClr val="lt1"/>
+          </a:fontRef>
+        </p:style>
+        <p:txBody>
+          <a:bodyPr rtlCol="0" anchor="ctr"/>
+          <a:lstStyle/>
+          <a:p>
+            <a:pPr algn="ctr"/>
+            <a:endParaRPr lang="en-US" dirty="0"/>
+          </a:p>
+        </p:txBody>
+      </p:sp>
+      <p:sp>
+        <p:nvSpPr>
+          <p:cNvPr id="18" name="Rectangle 17">
+            <a:extLst>
+              <a:ext uri="{FF2B5EF4-FFF2-40B4-BE49-F238E27FC236}">
+                <a16:creationId xmlns:a16="http://schemas.microsoft.com/office/drawing/2014/main" id="{1730E5F0-AD6E-4049-8FAB-A4D82343DCD5}"/>
+              </a:ext>
+              <a:ext uri="{C183D7F6-B498-43B3-948B-1728B52AA6E4}">
+                <adec:decorative xmlns:adec="http://schemas.microsoft.com/office/drawing/2017/decorative" val="1"/>
+              </a:ext>
+            </a:extLst>
+          </p:cNvPr>
+          <p:cNvSpPr>
+            <a:spLocks noGrp="1" noRot="1" noChangeAspect="1" noMove="1" noResize="1" noEditPoints="1" noAdjustHandles="1" noChangeArrowheads="1" noChangeShapeType="1" noTextEdit="1"/>
+          </p:cNvSpPr>
+          <p:nvPr>
+            <p:extLst>
+              <p:ext uri="{386F3935-93C4-4BCD-93E2-E3B085C9AB24}">
+                <p16:designElem xmlns:p16="http://schemas.microsoft.com/office/powerpoint/2015/main" val="1"/>
+              </p:ext>
+            </p:extLst>
+          </p:nvPr>
+        </p:nvSpPr>
+        <p:spPr>
+          <a:xfrm rot="5400000">
+            <a:off x="762751" y="3396995"/>
+            <a:ext cx="6858002" cy="64008"/>
+          </a:xfrm>
+          <a:prstGeom prst="rect">
+            <a:avLst/>
+          </a:prstGeom>
+          <a:solidFill>
+            <a:schemeClr val="tx2">
+              <a:lumMod val="50000"/>
+            </a:schemeClr>
+          </a:solidFill>
+          <a:ln>
+            <a:noFill/>
+          </a:ln>
+        </p:spPr>
+        <p:style>
+          <a:lnRef idx="2">
+            <a:schemeClr val="accent1">
+              <a:shade val="50000"/>
+            </a:schemeClr>
+          </a:lnRef>
+          <a:fillRef idx="1">
+            <a:schemeClr val="accent1"/>
+          </a:fillRef>
+          <a:effectRef idx="0">
+            <a:schemeClr val="accent1"/>
+          </a:effectRef>
+          <a:fontRef idx="minor">
+            <a:schemeClr val="lt1"/>
+          </a:fontRef>
+        </p:style>
+        <p:txBody>
+          <a:bodyPr rtlCol="0" anchor="ctr"/>
+          <a:lstStyle/>
+          <a:p>
+            <a:pPr algn="ctr"/>
+            <a:endParaRPr lang="en-US"/>
+          </a:p>
+        </p:txBody>
+      </p:sp>
+      <p:sp>
+        <p:nvSpPr>
+          <p:cNvPr id="4" name="CasellaDiTesto 3">
+            <a:extLst>
+              <a:ext uri="{FF2B5EF4-FFF2-40B4-BE49-F238E27FC236}">
+                <a16:creationId xmlns:a16="http://schemas.microsoft.com/office/drawing/2014/main" id="{CA9052C9-DF4C-70EF-7311-C9297682289B}"/>
+              </a:ext>
+            </a:extLst>
+          </p:cNvPr>
+          <p:cNvSpPr txBox="1"/>
+          <p:nvPr/>
+        </p:nvSpPr>
+        <p:spPr>
+          <a:xfrm>
+            <a:off x="1187576" y="2002277"/>
+            <a:ext cx="2496312" cy="923330"/>
+          </a:xfrm>
+          <a:prstGeom prst="rect">
+            <a:avLst/>
+          </a:prstGeom>
+          <a:noFill/>
+        </p:spPr>
+        <p:txBody>
+          <a:bodyPr wrap="square" rtlCol="0">
+            <a:spAutoFit/>
+          </a:bodyPr>
+          <a:lstStyle/>
+          <a:p>
+            <a:r>
+              <a:rPr lang="it-IT" dirty="0">
+                <a:solidFill>
+                  <a:schemeClr val="bg2">
+                    <a:lumMod val="90000"/>
+                  </a:schemeClr>
+                </a:solidFill>
+              </a:rPr>
+              <a:t>In totale ci siamo serviti di 13 classi nel client e di 7 classi nel server.</a:t>
+            </a:r>
+          </a:p>
+        </p:txBody>
+      </p:sp>
+      <p:pic>
+        <p:nvPicPr>
+          <p:cNvPr id="7" name="Immagine 6" descr="Immagine che contiene testo, schermata, diagramma&#10;&#10;Descrizione generata automaticamente">
+            <a:extLst>
+              <a:ext uri="{FF2B5EF4-FFF2-40B4-BE49-F238E27FC236}">
+                <a16:creationId xmlns:a16="http://schemas.microsoft.com/office/drawing/2014/main" id="{364196E9-3FDD-CA99-1FBF-203692109C33}"/>
+              </a:ext>
+            </a:extLst>
+          </p:cNvPr>
+          <p:cNvPicPr>
+            <a:picLocks noChangeAspect="1"/>
+          </p:cNvPicPr>
+          <p:nvPr/>
+        </p:nvPicPr>
+        <p:blipFill>
+          <a:blip r:embed="rId2">
+            <a:extLst>
+              <a:ext uri="{28A0092B-C50C-407E-A947-70E740481C1C}">
+                <a14:useLocalDpi xmlns:a14="http://schemas.microsoft.com/office/drawing/2010/main" val="0"/>
+              </a:ext>
+            </a:extLst>
+          </a:blip>
+          <a:stretch>
+            <a:fillRect/>
+          </a:stretch>
+        </p:blipFill>
+        <p:spPr>
+          <a:xfrm>
+            <a:off x="4850148" y="1101750"/>
+            <a:ext cx="6772275" cy="5429250"/>
+          </a:xfrm>
+          <a:prstGeom prst="rect">
+            <a:avLst/>
+          </a:prstGeom>
+        </p:spPr>
+      </p:pic>
+      <p:pic>
+        <p:nvPicPr>
+          <p:cNvPr id="8" name="Immagine 7" descr="Immagine che contiene testo, schermata, diagramma, Parallelo&#10;&#10;Descrizione generata automaticamente">
+            <a:extLst>
+              <a:ext uri="{FF2B5EF4-FFF2-40B4-BE49-F238E27FC236}">
+                <a16:creationId xmlns:a16="http://schemas.microsoft.com/office/drawing/2014/main" id="{BFA5753F-6F6F-5DF1-3D9E-E2C68990F987}"/>
+              </a:ext>
+            </a:extLst>
+          </p:cNvPr>
+          <p:cNvPicPr>
+            <a:picLocks noChangeAspect="1"/>
+          </p:cNvPicPr>
+          <p:nvPr/>
+        </p:nvPicPr>
+        <p:blipFill>
+          <a:blip r:embed="rId3">
+            <a:extLst>
+              <a:ext uri="{28A0092B-C50C-407E-A947-70E740481C1C}">
+                <a14:useLocalDpi xmlns:a14="http://schemas.microsoft.com/office/drawing/2010/main" val="0"/>
+              </a:ext>
+            </a:extLst>
+          </a:blip>
+          <a:stretch>
+            <a:fillRect/>
+          </a:stretch>
+        </p:blipFill>
+        <p:spPr>
+          <a:xfrm>
+            <a:off x="6568166" y="1346016"/>
+            <a:ext cx="4128325" cy="4245065"/>
+          </a:xfrm>
+          <a:prstGeom prst="rect">
+            <a:avLst/>
+          </a:prstGeom>
+        </p:spPr>
+      </p:pic>
+    </p:spTree>
+    <p:extLst>
+      <p:ext uri="{BB962C8B-B14F-4D97-AF65-F5344CB8AC3E}">
+        <p14:creationId xmlns:p14="http://schemas.microsoft.com/office/powerpoint/2010/main" val="368027075"/>
+      </p:ext>
+    </p:extLst>
+  </p:cSld>
+  <p:clrMapOvr>
+    <a:masterClrMapping/>
+  </p:clrMapOvr>
+</p:sld>
+</file>
+
+<file path=ppt/slides/slide8.xml><?xml version="1.0" encoding="utf-8"?>
+<p:sld xmlns:a="http://schemas.openxmlformats.org/drawingml/2006/main" xmlns:r="http://schemas.openxmlformats.org/officeDocument/2006/relationships" xmlns:p="http://schemas.openxmlformats.org/presentationml/2006/main">
+  <p:cSld>
+    <p:bg>
+      <p:bgPr>
+        <a:solidFill>
+          <a:schemeClr val="bg1"/>
+        </a:solidFill>
+        <a:effectLst/>
+      </p:bgPr>
+    </p:bg>
+    <p:spTree>
+      <p:nvGrpSpPr>
+        <p:cNvPr id="1" name=""/>
+        <p:cNvGrpSpPr/>
+        <p:nvPr/>
+      </p:nvGrpSpPr>
+      <p:grpSpPr>
+        <a:xfrm>
+          <a:off x="0" y="0"/>
+          <a:ext cx="0" cy="0"/>
+          <a:chOff x="0" y="0"/>
+          <a:chExt cx="0" cy="0"/>
+        </a:xfrm>
+      </p:grpSpPr>
+      <p:sp useBgFill="1">
+        <p:nvSpPr>
+          <p:cNvPr id="15" name="Rectangle 14">
+            <a:extLst>
+              <a:ext uri="{FF2B5EF4-FFF2-40B4-BE49-F238E27FC236}">
+                <a16:creationId xmlns:a16="http://schemas.microsoft.com/office/drawing/2014/main" id="{316DC8E4-A711-4240-81E9-F8184974137E}"/>
+              </a:ext>
+              <a:ext uri="{C183D7F6-B498-43B3-948B-1728B52AA6E4}">
+                <adec:decorative xmlns:adec="http://schemas.microsoft.com/office/drawing/2017/decorative" val="1"/>
+              </a:ext>
+            </a:extLst>
+          </p:cNvPr>
+          <p:cNvSpPr>
+            <a:spLocks noGrp="1" noRot="1" noChangeAspect="1" noMove="1" noResize="1" noEditPoints="1" noAdjustHandles="1" noChangeArrowheads="1" noChangeShapeType="1" noTextEdit="1"/>
+          </p:cNvSpPr>
+          <p:nvPr>
+            <p:extLst>
+              <p:ext uri="{386F3935-93C4-4BCD-93E2-E3B085C9AB24}">
+                <p16:designElem xmlns:p16="http://schemas.microsoft.com/office/powerpoint/2015/main" val="1"/>
+              </p:ext>
+            </p:extLst>
+          </p:nvPr>
+        </p:nvSpPr>
+        <p:spPr bwMode="white">
+          <a:xfrm>
+            <a:off x="0" y="0"/>
+            <a:ext cx="12192000" cy="6858000"/>
+          </a:xfrm>
+          <a:prstGeom prst="rect">
+            <a:avLst/>
+          </a:prstGeom>
+          <a:ln>
+            <a:noFill/>
+          </a:ln>
+        </p:spPr>
+        <p:style>
+          <a:lnRef idx="2">
+            <a:schemeClr val="accent1">
+              <a:shade val="50000"/>
+            </a:schemeClr>
+          </a:lnRef>
+          <a:fillRef idx="1">
+            <a:schemeClr val="accent1"/>
+          </a:fillRef>
+          <a:effectRef idx="0">
+            <a:schemeClr val="accent1"/>
+          </a:effectRef>
+          <a:fontRef idx="minor">
+            <a:schemeClr val="lt1"/>
+          </a:fontRef>
+        </p:style>
+        <p:txBody>
+          <a:bodyPr rtlCol="0" anchor="ctr"/>
+          <a:lstStyle>
+            <a:defPPr>
+              <a:defRPr lang="en-US"/>
+            </a:defPPr>
+            <a:lvl1pPr marL="0" algn="l" defTabSz="914400" rtl="0" eaLnBrk="1" latinLnBrk="0" hangingPunct="1">
+              <a:defRPr sz="1800" kern="1200">
+                <a:solidFill>
+                  <a:schemeClr val="lt1"/>
+                </a:solidFill>
+                <a:latin typeface="+mn-lt"/>
+                <a:ea typeface="+mn-ea"/>
+                <a:cs typeface="+mn-cs"/>
+              </a:defRPr>
+            </a:lvl1pPr>
+            <a:lvl2pPr marL="457200" algn="l" defTabSz="914400" rtl="0" eaLnBrk="1" latinLnBrk="0" hangingPunct="1">
+              <a:defRPr sz="1800" kern="1200">
+                <a:solidFill>
+                  <a:schemeClr val="lt1"/>
+                </a:solidFill>
+                <a:latin typeface="+mn-lt"/>
+                <a:ea typeface="+mn-ea"/>
+                <a:cs typeface="+mn-cs"/>
+              </a:defRPr>
+            </a:lvl2pPr>
+            <a:lvl3pPr marL="914400" algn="l" defTabSz="914400" rtl="0" eaLnBrk="1" latinLnBrk="0" hangingPunct="1">
+              <a:defRPr sz="1800" kern="1200">
+                <a:solidFill>
+                  <a:schemeClr val="lt1"/>
+                </a:solidFill>
+                <a:latin typeface="+mn-lt"/>
+                <a:ea typeface="+mn-ea"/>
+                <a:cs typeface="+mn-cs"/>
+              </a:defRPr>
+            </a:lvl3pPr>
+            <a:lvl4pPr marL="1371600" algn="l" defTabSz="914400" rtl="0" eaLnBrk="1" latinLnBrk="0" hangingPunct="1">
+              <a:defRPr sz="1800" kern="1200">
+                <a:solidFill>
+                  <a:schemeClr val="lt1"/>
+                </a:solidFill>
+                <a:latin typeface="+mn-lt"/>
+                <a:ea typeface="+mn-ea"/>
+                <a:cs typeface="+mn-cs"/>
+              </a:defRPr>
+            </a:lvl4pPr>
+            <a:lvl5pPr marL="1828800" algn="l" defTabSz="914400" rtl="0" eaLnBrk="1" latinLnBrk="0" hangingPunct="1">
+              <a:defRPr sz="1800" kern="1200">
+                <a:solidFill>
+                  <a:schemeClr val="lt1"/>
+                </a:solidFill>
+                <a:latin typeface="+mn-lt"/>
+                <a:ea typeface="+mn-ea"/>
+                <a:cs typeface="+mn-cs"/>
+              </a:defRPr>
+            </a:lvl5pPr>
+            <a:lvl6pPr marL="2286000" algn="l" defTabSz="914400" rtl="0" eaLnBrk="1" latinLnBrk="0" hangingPunct="1">
+              <a:defRPr sz="1800" kern="1200">
+                <a:solidFill>
+                  <a:schemeClr val="lt1"/>
+                </a:solidFill>
+                <a:latin typeface="+mn-lt"/>
+                <a:ea typeface="+mn-ea"/>
+                <a:cs typeface="+mn-cs"/>
+              </a:defRPr>
+            </a:lvl6pPr>
+            <a:lvl7pPr marL="2743200" algn="l" defTabSz="914400" rtl="0" eaLnBrk="1" latinLnBrk="0" hangingPunct="1">
+              <a:defRPr sz="1800" kern="1200">
+                <a:solidFill>
+                  <a:schemeClr val="lt1"/>
+                </a:solidFill>
+                <a:latin typeface="+mn-lt"/>
+                <a:ea typeface="+mn-ea"/>
+                <a:cs typeface="+mn-cs"/>
+              </a:defRPr>
+            </a:lvl7pPr>
+            <a:lvl8pPr marL="3200400" algn="l" defTabSz="914400" rtl="0" eaLnBrk="1" latinLnBrk="0" hangingPunct="1">
+              <a:defRPr sz="1800" kern="1200">
+                <a:solidFill>
+                  <a:schemeClr val="lt1"/>
+                </a:solidFill>
+                <a:latin typeface="+mn-lt"/>
+                <a:ea typeface="+mn-ea"/>
+                <a:cs typeface="+mn-cs"/>
+              </a:defRPr>
+            </a:lvl8pPr>
+            <a:lvl9pPr marL="3657600" algn="l" defTabSz="914400" rtl="0" eaLnBrk="1" latinLnBrk="0" hangingPunct="1">
+              <a:defRPr sz="1800" kern="1200">
+                <a:solidFill>
+                  <a:schemeClr val="lt1"/>
+                </a:solidFill>
+                <a:latin typeface="+mn-lt"/>
+                <a:ea typeface="+mn-ea"/>
+                <a:cs typeface="+mn-cs"/>
+              </a:defRPr>
+            </a:lvl9pPr>
+          </a:lstStyle>
+          <a:p>
+            <a:pPr algn="ctr"/>
+            <a:endParaRPr lang="en-US"/>
+          </a:p>
+        </p:txBody>
+      </p:sp>
+      <p:sp>
+        <p:nvSpPr>
+          <p:cNvPr id="2" name="Titolo 1">
+            <a:extLst>
+              <a:ext uri="{FF2B5EF4-FFF2-40B4-BE49-F238E27FC236}">
+                <a16:creationId xmlns:a16="http://schemas.microsoft.com/office/drawing/2014/main" id="{737893A8-21E3-9C83-5575-713AF012DEF1}"/>
+              </a:ext>
+            </a:extLst>
+          </p:cNvPr>
+          <p:cNvSpPr>
+            <a:spLocks noGrp="1"/>
+          </p:cNvSpPr>
+          <p:nvPr>
+            <p:ph type="ctrTitle"/>
+          </p:nvPr>
+        </p:nvSpPr>
+        <p:spPr>
+          <a:xfrm>
+            <a:off x="756769" y="2715209"/>
+            <a:ext cx="3527117" cy="888616"/>
+          </a:xfrm>
+        </p:spPr>
+        <p:txBody>
+          <a:bodyPr vert="horz" lIns="91440" tIns="45720" rIns="91440" bIns="45720" rtlCol="0">
+            <a:normAutofit/>
+          </a:bodyPr>
+          <a:lstStyle/>
+          <a:p>
+            <a:r>
+              <a:rPr lang="en-US" sz="3200" dirty="0"/>
+              <a:t>Use Case Diagram</a:t>
+            </a:r>
+            <a:endParaRPr lang="en-US" sz="3200" kern="1200" dirty="0">
+              <a:latin typeface="+mj-lt"/>
+              <a:ea typeface="+mj-ea"/>
+              <a:cs typeface="+mj-cs"/>
+            </a:endParaRPr>
+          </a:p>
+        </p:txBody>
+      </p:sp>
+      <p:sp>
+        <p:nvSpPr>
+          <p:cNvPr id="17" name="Rectangle 16">
+            <a:extLst>
+              <a:ext uri="{FF2B5EF4-FFF2-40B4-BE49-F238E27FC236}">
+                <a16:creationId xmlns:a16="http://schemas.microsoft.com/office/drawing/2014/main" id="{96CC8FF8-121A-4621-8FF3-BC48A37BFB89}"/>
+              </a:ext>
+              <a:ext uri="{C183D7F6-B498-43B3-948B-1728B52AA6E4}">
+                <adec:decorative xmlns:adec="http://schemas.microsoft.com/office/drawing/2017/decorative" val="1"/>
+              </a:ext>
+            </a:extLst>
+          </p:cNvPr>
+          <p:cNvSpPr>
+            <a:spLocks noGrp="1" noRot="1" noChangeAspect="1" noMove="1" noResize="1" noEditPoints="1" noAdjustHandles="1" noChangeArrowheads="1" noChangeShapeType="1" noTextEdit="1"/>
+          </p:cNvSpPr>
+          <p:nvPr>
+            <p:extLst>
+              <p:ext uri="{386F3935-93C4-4BCD-93E2-E3B085C9AB24}">
+                <p16:designElem xmlns:p16="http://schemas.microsoft.com/office/powerpoint/2015/main" val="1"/>
+              </p:ext>
+            </p:extLst>
+          </p:nvPr>
+        </p:nvSpPr>
+        <p:spPr>
+          <a:xfrm>
+            <a:off x="5072659" y="899358"/>
+            <a:ext cx="7119341" cy="5138381"/>
+          </a:xfrm>
+          <a:prstGeom prst="rect">
+            <a:avLst/>
+          </a:prstGeom>
+          <a:solidFill>
+            <a:schemeClr val="tx2">
+              <a:lumMod val="50000"/>
+            </a:schemeClr>
+          </a:solidFill>
+          <a:ln>
+            <a:noFill/>
+          </a:ln>
+        </p:spPr>
+        <p:style>
+          <a:lnRef idx="2">
+            <a:schemeClr val="accent1">
+              <a:shade val="50000"/>
+            </a:schemeClr>
+          </a:lnRef>
+          <a:fillRef idx="1">
+            <a:schemeClr val="accent1"/>
+          </a:fillRef>
+          <a:effectRef idx="0">
+            <a:schemeClr val="accent1"/>
+          </a:effectRef>
+          <a:fontRef idx="minor">
+            <a:schemeClr val="lt1"/>
+          </a:fontRef>
+        </p:style>
+        <p:txBody>
+          <a:bodyPr rtlCol="0" anchor="ctr"/>
+          <a:lstStyle/>
+          <a:p>
+            <a:pPr algn="ctr"/>
+            <a:endParaRPr lang="en-US"/>
+          </a:p>
+        </p:txBody>
+      </p:sp>
+      <p:sp>
+        <p:nvSpPr>
+          <p:cNvPr id="19" name="Rectangle 18">
+            <a:extLst>
+              <a:ext uri="{FF2B5EF4-FFF2-40B4-BE49-F238E27FC236}">
+                <a16:creationId xmlns:a16="http://schemas.microsoft.com/office/drawing/2014/main" id="{3276E0C7-D588-440B-8F4A-876392DB718F}"/>
+              </a:ext>
+              <a:ext uri="{C183D7F6-B498-43B3-948B-1728B52AA6E4}">
+                <adec:decorative xmlns:adec="http://schemas.microsoft.com/office/drawing/2017/decorative" val="1"/>
+              </a:ext>
+            </a:extLst>
+          </p:cNvPr>
+          <p:cNvSpPr>
+            <a:spLocks noGrp="1" noRot="1" noChangeAspect="1" noMove="1" noResize="1" noEditPoints="1" noAdjustHandles="1" noChangeArrowheads="1" noChangeShapeType="1" noTextEdit="1"/>
+          </p:cNvSpPr>
+          <p:nvPr>
+            <p:extLst>
+              <p:ext uri="{386F3935-93C4-4BCD-93E2-E3B085C9AB24}">
+                <p16:designElem xmlns:p16="http://schemas.microsoft.com/office/powerpoint/2015/main" val="1"/>
+              </p:ext>
+            </p:extLst>
+          </p:nvPr>
+        </p:nvSpPr>
+        <p:spPr>
+          <a:xfrm rot="5400000">
+            <a:off x="1643658" y="3396997"/>
+            <a:ext cx="6858002" cy="64008"/>
+          </a:xfrm>
+          <a:prstGeom prst="rect">
+            <a:avLst/>
+          </a:prstGeom>
+          <a:solidFill>
+            <a:schemeClr val="tx2">
+              <a:lumMod val="50000"/>
+            </a:schemeClr>
+          </a:solidFill>
+          <a:ln>
+            <a:noFill/>
+          </a:ln>
+        </p:spPr>
+        <p:style>
+          <a:lnRef idx="2">
+            <a:schemeClr val="accent1">
+              <a:shade val="50000"/>
+            </a:schemeClr>
+          </a:lnRef>
+          <a:fillRef idx="1">
+            <a:schemeClr val="accent1"/>
+          </a:fillRef>
+          <a:effectRef idx="0">
+            <a:schemeClr val="accent1"/>
+          </a:effectRef>
+          <a:fontRef idx="minor">
+            <a:schemeClr val="lt1"/>
+          </a:fontRef>
+        </p:style>
+        <p:txBody>
+          <a:bodyPr rtlCol="0" anchor="ctr"/>
+          <a:lstStyle/>
+          <a:p>
+            <a:pPr algn="ctr"/>
+            <a:endParaRPr lang="en-US"/>
+          </a:p>
+        </p:txBody>
+      </p:sp>
+      <p:pic>
+        <p:nvPicPr>
+          <p:cNvPr id="4" name="Immagine 3" descr="Immagine che contiene testo, schermata, biglietto da visita, Carattere&#10;&#10;Descrizione generata automaticamente">
+            <a:extLst>
+              <a:ext uri="{FF2B5EF4-FFF2-40B4-BE49-F238E27FC236}">
+                <a16:creationId xmlns:a16="http://schemas.microsoft.com/office/drawing/2014/main" id="{96935388-EA77-21D4-1A1E-48F25E5D1091}"/>
+              </a:ext>
+            </a:extLst>
+          </p:cNvPr>
+          <p:cNvPicPr>
+            <a:picLocks noChangeAspect="1"/>
+          </p:cNvPicPr>
+          <p:nvPr/>
+        </p:nvPicPr>
+        <p:blipFill>
+          <a:blip r:embed="rId2">
+            <a:extLst>
+              <a:ext uri="{28A0092B-C50C-407E-A947-70E740481C1C}">
+                <a14:useLocalDpi xmlns:a14="http://schemas.microsoft.com/office/drawing/2010/main" val="0"/>
+              </a:ext>
+            </a:extLst>
+          </a:blip>
+          <a:stretch>
+            <a:fillRect/>
+          </a:stretch>
+        </p:blipFill>
+        <p:spPr>
+          <a:xfrm>
+            <a:off x="5824266" y="2147221"/>
+            <a:ext cx="6161832" cy="2642654"/>
+          </a:xfrm>
+          <a:prstGeom prst="rect">
+            <a:avLst/>
+          </a:prstGeom>
+        </p:spPr>
+      </p:pic>
+    </p:spTree>
+    <p:extLst>
+      <p:ext uri="{BB962C8B-B14F-4D97-AF65-F5344CB8AC3E}">
+        <p14:creationId xmlns:p14="http://schemas.microsoft.com/office/powerpoint/2010/main" val="3623786352"/>
+      </p:ext>
+    </p:extLst>
+  </p:cSld>
+  <p:clrMapOvr>
+    <a:masterClrMapping/>
+  </p:clrMapOvr>
+</p:sld>
+</file>
+
+<file path=ppt/slides/slide9.xml><?xml version="1.0" encoding="utf-8"?>
 <p:sld xmlns:a="http://schemas.openxmlformats.org/drawingml/2006/main" xmlns:r="http://schemas.openxmlformats.org/officeDocument/2006/relationships" xmlns:p="http://schemas.openxmlformats.org/presentationml/2006/main">
   <p:cSld>
     <p:bg>
